--- a/docs/Mexico Disease.pptx
+++ b/docs/Mexico Disease.pptx
@@ -934,7 +934,10 @@
           <a:bodyPr/>
           <a:lstStyle/>
           <a:p>
-            <a:endParaRPr lang="en-US" dirty="0"/>
+            <a:r>
+              <a:rPr lang="en-US" dirty="0"/>
+              <a:t>Disease brings greater focus on flood areas </a:t>
+            </a:r>
           </a:p>
         </p:txBody>
       </p:sp>
@@ -4525,7 +4528,7 @@
           </a:ln>
           <a:extLst>
             <a:ext uri="{C572A759-6A51-4108-AA02-DFA0A04FC94B}">
-              <ma14:wrappingTextBoxFlag xmlns:ma14="http://schemas.microsoft.com/office/mac/drawingml/2011/main" xmlns="" val="1"/>
+              <ma14:wrappingTextBoxFlag xmlns="" xmlns:ma14="http://schemas.microsoft.com/office/mac/drawingml/2011/main" val="1"/>
             </a:ext>
           </a:extLst>
         </p:spPr>
@@ -9810,8 +9813,8 @@
         </p:nvSpPr>
         <p:spPr>
           <a:xfrm>
-            <a:off x="1013791" y="1709531"/>
-            <a:ext cx="9819861" cy="3046988"/>
+            <a:off x="967609" y="1081458"/>
+            <a:ext cx="9819861" cy="3600986"/>
           </a:xfrm>
           <a:prstGeom prst="rect">
             <a:avLst/>
@@ -9825,7 +9828,9 @@
           <a:lstStyle/>
           <a:p>
             <a:r>
-              <a:rPr lang="en-US" sz="2400" b="1" dirty="0"/>
+              <a:rPr lang="en-US" sz="3600" b="1" dirty="0">
+                <a:latin typeface="+mj-lt"/>
+              </a:rPr>
               <a:t>Improving the model:</a:t>
             </a:r>
           </a:p>
@@ -9838,7 +9843,7 @@
               <a:buChar char="•"/>
             </a:pPr>
             <a:r>
-              <a:rPr lang="en-US" sz="2400" dirty="0"/>
+              <a:rPr lang="en-US" sz="2800" dirty="0"/>
               <a:t>More realistic parameters and more detailed disease dynamics (survey data, moving agents, agent heterogeneity)</a:t>
             </a:r>
           </a:p>
@@ -9847,7 +9852,7 @@
               <a:buFont typeface="Arial" panose="020B0604020202020204" pitchFamily="34" charset="0"/>
               <a:buChar char="•"/>
             </a:pPr>
-            <a:endParaRPr lang="en-US" sz="2400" dirty="0"/>
+            <a:endParaRPr lang="en-US" sz="2800" dirty="0"/>
           </a:p>
           <a:p>
             <a:pPr marL="285750" indent="-285750">
@@ -9855,7 +9860,7 @@
               <a:buChar char="•"/>
             </a:pPr>
             <a:r>
-              <a:rPr lang="en-US" sz="2400" dirty="0"/>
+              <a:rPr lang="en-US" sz="2800" dirty="0"/>
               <a:t>How policy scenarios fit other types of disease dynamics</a:t>
             </a:r>
           </a:p>
@@ -9864,7 +9869,7 @@
               <a:buFont typeface="Arial" panose="020B0604020202020204" pitchFamily="34" charset="0"/>
               <a:buChar char="•"/>
             </a:pPr>
-            <a:endParaRPr lang="en-US" sz="2400" dirty="0"/>
+            <a:endParaRPr lang="en-US" sz="2800" dirty="0"/>
           </a:p>
           <a:p>
             <a:pPr marL="285750" indent="-285750">
@@ -9872,7 +9877,7 @@
               <a:buChar char="•"/>
             </a:pPr>
             <a:r>
-              <a:rPr lang="en-US" sz="2400" dirty="0"/>
+              <a:rPr lang="en-US" sz="2800" dirty="0"/>
               <a:t>Optimization of the decision algorithm for different goals</a:t>
             </a:r>
           </a:p>
@@ -10109,8 +10114,8 @@
         </p:nvSpPr>
         <p:spPr>
           <a:xfrm>
-            <a:off x="1183138" y="3790856"/>
-            <a:ext cx="2551327" cy="1562960"/>
+            <a:off x="832568" y="3790856"/>
+            <a:ext cx="2901897" cy="1562960"/>
           </a:xfrm>
           <a:prstGeom prst="roundRect">
             <a:avLst>
@@ -10151,7 +10156,7 @@
           </a:ln>
           <a:extLst>
             <a:ext uri="{C572A759-6A51-4108-AA02-DFA0A04FC94B}">
-              <ma14:wrappingTextBoxFlag xmlns:ma14="http://schemas.microsoft.com/office/mac/drawingml/2011/main" xmlns="" val="1"/>
+              <ma14:wrappingTextBoxFlag xmlns="" xmlns:ma14="http://schemas.microsoft.com/office/mac/drawingml/2011/main" val="1"/>
             </a:ext>
           </a:extLst>
         </p:spPr>
@@ -10219,7 +10224,7 @@
           </a:ln>
           <a:extLst>
             <a:ext uri="{C572A759-6A51-4108-AA02-DFA0A04FC94B}">
-              <ma14:wrappingTextBoxFlag xmlns:ma14="http://schemas.microsoft.com/office/mac/drawingml/2011/main" xmlns="" val="1"/>
+              <ma14:wrappingTextBoxFlag xmlns="" xmlns:ma14="http://schemas.microsoft.com/office/mac/drawingml/2011/main" val="1"/>
             </a:ext>
           </a:extLst>
         </p:spPr>
@@ -10319,7 +10324,7 @@
           </a:ln>
           <a:extLst>
             <a:ext uri="{C572A759-6A51-4108-AA02-DFA0A04FC94B}">
-              <ma14:wrappingTextBoxFlag xmlns:ma14="http://schemas.microsoft.com/office/mac/drawingml/2011/main" xmlns="" val="1"/>
+              <ma14:wrappingTextBoxFlag xmlns="" xmlns:ma14="http://schemas.microsoft.com/office/mac/drawingml/2011/main" val="1"/>
             </a:ext>
           </a:extLst>
         </p:spPr>
@@ -10380,7 +10385,7 @@
           </a:ln>
           <a:extLst>
             <a:ext uri="{C572A759-6A51-4108-AA02-DFA0A04FC94B}">
-              <ma14:wrappingTextBoxFlag xmlns:ma14="http://schemas.microsoft.com/office/mac/drawingml/2011/main" xmlns="" val="1"/>
+              <ma14:wrappingTextBoxFlag xmlns="" xmlns:ma14="http://schemas.microsoft.com/office/mac/drawingml/2011/main" val="1"/>
             </a:ext>
           </a:extLst>
         </p:spPr>
@@ -10432,7 +10437,7 @@
           </a:ln>
           <a:extLst>
             <a:ext uri="{C572A759-6A51-4108-AA02-DFA0A04FC94B}">
-              <ma14:wrappingTextBoxFlag xmlns:ma14="http://schemas.microsoft.com/office/mac/drawingml/2011/main" xmlns="" val="1"/>
+              <ma14:wrappingTextBoxFlag xmlns="" xmlns:ma14="http://schemas.microsoft.com/office/mac/drawingml/2011/main" val="1"/>
             </a:ext>
           </a:extLst>
         </p:spPr>
@@ -10478,7 +10483,7 @@
           </a:ln>
           <a:extLst>
             <a:ext uri="{C572A759-6A51-4108-AA02-DFA0A04FC94B}">
-              <ma14:wrappingTextBoxFlag xmlns:ma14="http://schemas.microsoft.com/office/mac/drawingml/2011/main" xmlns="" val="1"/>
+              <ma14:wrappingTextBoxFlag xmlns="" xmlns:ma14="http://schemas.microsoft.com/office/mac/drawingml/2011/main" val="1"/>
             </a:ext>
           </a:extLst>
         </p:spPr>
@@ -10507,8 +10512,8 @@
         </p:nvSpPr>
         <p:spPr>
           <a:xfrm>
-            <a:off x="1304012" y="4554553"/>
-            <a:ext cx="2392811" cy="656270"/>
+            <a:off x="892257" y="4206535"/>
+            <a:ext cx="2716438" cy="948338"/>
           </a:xfrm>
           <a:prstGeom prst="rect">
             <a:avLst/>
@@ -10518,7 +10523,7 @@
           </a:ln>
           <a:extLst>
             <a:ext uri="{C572A759-6A51-4108-AA02-DFA0A04FC94B}">
-              <ma14:wrappingTextBoxFlag xmlns:ma14="http://schemas.microsoft.com/office/mac/drawingml/2011/main" xmlns="" val="1"/>
+              <ma14:wrappingTextBoxFlag xmlns="" xmlns:ma14="http://schemas.microsoft.com/office/mac/drawingml/2011/main" val="1"/>
             </a:ext>
           </a:extLst>
         </p:spPr>
@@ -10527,6 +10532,18 @@
             <a:spAutoFit/>
           </a:bodyPr>
           <a:lstStyle/>
+          <a:p>
+            <a:pPr marL="241093" indent="-241093">
+              <a:buSzPct val="75000"/>
+              <a:buFont typeface="Helvetica Neue"/>
+              <a:buChar char="•"/>
+              <a:defRPr sz="2700"/>
+            </a:pPr>
+            <a:r>
+              <a:rPr lang="en-US" sz="1898" dirty="0"/>
+              <a:t>Susceptible population</a:t>
+            </a:r>
+          </a:p>
           <a:p>
             <a:pPr marL="241093" indent="-241093">
               <a:buSzPct val="75000"/>
@@ -10629,7 +10646,7 @@
             </a:ln>
             <a:extLst>
               <a:ext uri="{C572A759-6A51-4108-AA02-DFA0A04FC94B}">
-                <ma14:wrappingTextBoxFlag xmlns:ma14="http://schemas.microsoft.com/office/mac/drawingml/2011/main" xmlns="" val="1"/>
+                <ma14:wrappingTextBoxFlag xmlns="" xmlns:ma14="http://schemas.microsoft.com/office/mac/drawingml/2011/main" val="1"/>
               </a:ext>
             </a:extLst>
           </p:spPr>
@@ -10665,7 +10682,7 @@
             </a:ln>
             <a:extLst>
               <a:ext uri="{C572A759-6A51-4108-AA02-DFA0A04FC94B}">
-                <ma14:wrappingTextBoxFlag xmlns:ma14="http://schemas.microsoft.com/office/mac/drawingml/2011/main" xmlns="" val="1"/>
+                <ma14:wrappingTextBoxFlag xmlns="" xmlns:ma14="http://schemas.microsoft.com/office/mac/drawingml/2011/main" val="1"/>
               </a:ext>
             </a:extLst>
           </p:spPr>
@@ -10773,7 +10790,7 @@
           </a:ln>
           <a:extLst>
             <a:ext uri="{C572A759-6A51-4108-AA02-DFA0A04FC94B}">
-              <ma14:wrappingTextBoxFlag xmlns:ma14="http://schemas.microsoft.com/office/mac/drawingml/2011/main" xmlns="" val="1"/>
+              <ma14:wrappingTextBoxFlag xmlns="" xmlns:ma14="http://schemas.microsoft.com/office/mac/drawingml/2011/main" val="1"/>
             </a:ext>
           </a:extLst>
         </p:spPr>
@@ -10801,46 +10818,6 @@
       </p:sp>
       <p:sp>
         <p:nvSpPr>
-          <p:cNvPr id="162" name="Shape 162"/>
-          <p:cNvSpPr/>
-          <p:nvPr/>
-        </p:nvSpPr>
-        <p:spPr>
-          <a:xfrm>
-            <a:off x="1304012" y="4147836"/>
-            <a:ext cx="1951717" cy="364203"/>
-          </a:xfrm>
-          <a:prstGeom prst="rect">
-            <a:avLst/>
-          </a:prstGeom>
-          <a:ln w="12700">
-            <a:miter lim="400000"/>
-          </a:ln>
-          <a:extLst>
-            <a:ext uri="{C572A759-6A51-4108-AA02-DFA0A04FC94B}">
-              <ma14:wrappingTextBoxFlag xmlns:ma14="http://schemas.microsoft.com/office/mac/drawingml/2011/main" xmlns="" val="1"/>
-            </a:ext>
-          </a:extLst>
-        </p:spPr>
-        <p:txBody>
-          <a:bodyPr lIns="35719" tIns="35719" rIns="35719" bIns="35719" anchor="ctr">
-            <a:spAutoFit/>
-          </a:bodyPr>
-          <a:lstStyle>
-            <a:lvl1pPr>
-              <a:defRPr sz="2700"/>
-            </a:lvl1pPr>
-          </a:lstStyle>
-          <a:p>
-            <a:r>
-              <a:rPr sz="1898" dirty="0"/>
-              <a:t>(Humans living)</a:t>
-            </a:r>
-          </a:p>
-        </p:txBody>
-      </p:sp>
-      <p:sp>
-        <p:nvSpPr>
           <p:cNvPr id="32" name="Shape 155">
             <a:extLst>
               <a:ext uri="{FF2B5EF4-FFF2-40B4-BE49-F238E27FC236}">
@@ -11050,7 +11027,7 @@
           </a:ln>
           <a:extLst>
             <a:ext uri="{C572A759-6A51-4108-AA02-DFA0A04FC94B}">
-              <ma14:wrappingTextBoxFlag xmlns:ma14="http://schemas.microsoft.com/office/mac/drawingml/2011/main" xmlns="" val="1"/>
+              <ma14:wrappingTextBoxFlag xmlns="" xmlns:ma14="http://schemas.microsoft.com/office/mac/drawingml/2011/main" val="1"/>
             </a:ext>
           </a:extLst>
         </p:spPr>
@@ -12113,7 +12090,7 @@
         <p:spPr>
           <a:xfrm>
             <a:off x="446568" y="318976"/>
-            <a:ext cx="2998381" cy="523220"/>
+            <a:ext cx="3814553" cy="584775"/>
           </a:xfrm>
           <a:prstGeom prst="rect">
             <a:avLst/>
@@ -12127,10 +12104,8 @@
           <a:lstStyle/>
           <a:p>
             <a:r>
-              <a:rPr lang="en-US" sz="2800" b="1" dirty="0">
-                <a:solidFill>
-                  <a:srgbClr val="00B050"/>
-                </a:solidFill>
+              <a:rPr lang="en-US" sz="3200" b="1" dirty="0">
+                <a:latin typeface="+mj-lt"/>
               </a:rPr>
               <a:t>Decision algorithm</a:t>
             </a:r>

--- a/docs/Mexico Disease.pptx
+++ b/docs/Mexico Disease.pptx
@@ -4528,7 +4528,7 @@
           </a:ln>
           <a:extLst>
             <a:ext uri="{C572A759-6A51-4108-AA02-DFA0A04FC94B}">
-              <ma14:wrappingTextBoxFlag xmlns="" xmlns:ma14="http://schemas.microsoft.com/office/mac/drawingml/2011/main" val="1"/>
+              <ma14:wrappingTextBoxFlag xmlns:ma14="http://schemas.microsoft.com/office/mac/drawingml/2011/main" xmlns="" val="1"/>
             </a:ext>
           </a:extLst>
         </p:spPr>
@@ -10156,7 +10156,7 @@
           </a:ln>
           <a:extLst>
             <a:ext uri="{C572A759-6A51-4108-AA02-DFA0A04FC94B}">
-              <ma14:wrappingTextBoxFlag xmlns="" xmlns:ma14="http://schemas.microsoft.com/office/mac/drawingml/2011/main" val="1"/>
+              <ma14:wrappingTextBoxFlag xmlns:ma14="http://schemas.microsoft.com/office/mac/drawingml/2011/main" xmlns="" val="1"/>
             </a:ext>
           </a:extLst>
         </p:spPr>
@@ -10224,7 +10224,7 @@
           </a:ln>
           <a:extLst>
             <a:ext uri="{C572A759-6A51-4108-AA02-DFA0A04FC94B}">
-              <ma14:wrappingTextBoxFlag xmlns="" xmlns:ma14="http://schemas.microsoft.com/office/mac/drawingml/2011/main" val="1"/>
+              <ma14:wrappingTextBoxFlag xmlns:ma14="http://schemas.microsoft.com/office/mac/drawingml/2011/main" xmlns="" val="1"/>
             </a:ext>
           </a:extLst>
         </p:spPr>
@@ -10324,7 +10324,7 @@
           </a:ln>
           <a:extLst>
             <a:ext uri="{C572A759-6A51-4108-AA02-DFA0A04FC94B}">
-              <ma14:wrappingTextBoxFlag xmlns="" xmlns:ma14="http://schemas.microsoft.com/office/mac/drawingml/2011/main" val="1"/>
+              <ma14:wrappingTextBoxFlag xmlns:ma14="http://schemas.microsoft.com/office/mac/drawingml/2011/main" xmlns="" val="1"/>
             </a:ext>
           </a:extLst>
         </p:spPr>
@@ -10385,7 +10385,7 @@
           </a:ln>
           <a:extLst>
             <a:ext uri="{C572A759-6A51-4108-AA02-DFA0A04FC94B}">
-              <ma14:wrappingTextBoxFlag xmlns="" xmlns:ma14="http://schemas.microsoft.com/office/mac/drawingml/2011/main" val="1"/>
+              <ma14:wrappingTextBoxFlag xmlns:ma14="http://schemas.microsoft.com/office/mac/drawingml/2011/main" xmlns="" val="1"/>
             </a:ext>
           </a:extLst>
         </p:spPr>
@@ -10437,7 +10437,7 @@
           </a:ln>
           <a:extLst>
             <a:ext uri="{C572A759-6A51-4108-AA02-DFA0A04FC94B}">
-              <ma14:wrappingTextBoxFlag xmlns="" xmlns:ma14="http://schemas.microsoft.com/office/mac/drawingml/2011/main" val="1"/>
+              <ma14:wrappingTextBoxFlag xmlns:ma14="http://schemas.microsoft.com/office/mac/drawingml/2011/main" xmlns="" val="1"/>
             </a:ext>
           </a:extLst>
         </p:spPr>
@@ -10483,7 +10483,7 @@
           </a:ln>
           <a:extLst>
             <a:ext uri="{C572A759-6A51-4108-AA02-DFA0A04FC94B}">
-              <ma14:wrappingTextBoxFlag xmlns="" xmlns:ma14="http://schemas.microsoft.com/office/mac/drawingml/2011/main" val="1"/>
+              <ma14:wrappingTextBoxFlag xmlns:ma14="http://schemas.microsoft.com/office/mac/drawingml/2011/main" xmlns="" val="1"/>
             </a:ext>
           </a:extLst>
         </p:spPr>
@@ -10523,7 +10523,7 @@
           </a:ln>
           <a:extLst>
             <a:ext uri="{C572A759-6A51-4108-AA02-DFA0A04FC94B}">
-              <ma14:wrappingTextBoxFlag xmlns="" xmlns:ma14="http://schemas.microsoft.com/office/mac/drawingml/2011/main" val="1"/>
+              <ma14:wrappingTextBoxFlag xmlns:ma14="http://schemas.microsoft.com/office/mac/drawingml/2011/main" xmlns="" val="1"/>
             </a:ext>
           </a:extLst>
         </p:spPr>
@@ -10646,7 +10646,7 @@
             </a:ln>
             <a:extLst>
               <a:ext uri="{C572A759-6A51-4108-AA02-DFA0A04FC94B}">
-                <ma14:wrappingTextBoxFlag xmlns="" xmlns:ma14="http://schemas.microsoft.com/office/mac/drawingml/2011/main" val="1"/>
+                <ma14:wrappingTextBoxFlag xmlns:ma14="http://schemas.microsoft.com/office/mac/drawingml/2011/main" xmlns="" val="1"/>
               </a:ext>
             </a:extLst>
           </p:spPr>
@@ -10682,7 +10682,7 @@
             </a:ln>
             <a:extLst>
               <a:ext uri="{C572A759-6A51-4108-AA02-DFA0A04FC94B}">
-                <ma14:wrappingTextBoxFlag xmlns="" xmlns:ma14="http://schemas.microsoft.com/office/mac/drawingml/2011/main" val="1"/>
+                <ma14:wrappingTextBoxFlag xmlns:ma14="http://schemas.microsoft.com/office/mac/drawingml/2011/main" xmlns="" val="1"/>
               </a:ext>
             </a:extLst>
           </p:spPr>
@@ -10790,7 +10790,7 @@
           </a:ln>
           <a:extLst>
             <a:ext uri="{C572A759-6A51-4108-AA02-DFA0A04FC94B}">
-              <ma14:wrappingTextBoxFlag xmlns="" xmlns:ma14="http://schemas.microsoft.com/office/mac/drawingml/2011/main" val="1"/>
+              <ma14:wrappingTextBoxFlag xmlns:ma14="http://schemas.microsoft.com/office/mac/drawingml/2011/main" xmlns="" val="1"/>
             </a:ext>
           </a:extLst>
         </p:spPr>
@@ -11027,7 +11027,7 @@
           </a:ln>
           <a:extLst>
             <a:ext uri="{C572A759-6A51-4108-AA02-DFA0A04FC94B}">
-              <ma14:wrappingTextBoxFlag xmlns="" xmlns:ma14="http://schemas.microsoft.com/office/mac/drawingml/2011/main" val="1"/>
+              <ma14:wrappingTextBoxFlag xmlns:ma14="http://schemas.microsoft.com/office/mac/drawingml/2011/main" xmlns="" val="1"/>
             </a:ext>
           </a:extLst>
         </p:spPr>

--- a/docs/Mexico Disease.pptx
+++ b/docs/Mexico Disease.pptx
@@ -4528,7 +4528,7 @@
           </a:ln>
           <a:extLst>
             <a:ext uri="{C572A759-6A51-4108-AA02-DFA0A04FC94B}">
-              <ma14:wrappingTextBoxFlag xmlns:ma14="http://schemas.microsoft.com/office/mac/drawingml/2011/main" xmlns="" val="1"/>
+              <ma14:wrappingTextBoxFlag xmlns="" xmlns:ma14="http://schemas.microsoft.com/office/mac/drawingml/2011/main" val="1"/>
             </a:ext>
           </a:extLst>
         </p:spPr>
@@ -4769,42 +4769,6 @@
           <a:chExt cx="0" cy="0"/>
         </a:xfrm>
       </p:grpSpPr>
-      <p:pic>
-        <p:nvPicPr>
-          <p:cNvPr id="5" name="Picture 4">
-            <a:extLst>
-              <a:ext uri="{FF2B5EF4-FFF2-40B4-BE49-F238E27FC236}">
-                <a16:creationId xmlns:a16="http://schemas.microsoft.com/office/drawing/2014/main" id="{5FD32103-A474-4246-BE58-2748EDC4FB27}"/>
-              </a:ext>
-            </a:extLst>
-          </p:cNvPr>
-          <p:cNvPicPr>
-            <a:picLocks noChangeAspect="1"/>
-          </p:cNvPicPr>
-          <p:nvPr/>
-        </p:nvPicPr>
-        <p:blipFill>
-          <a:blip r:embed="rId2">
-            <a:extLst>
-              <a:ext uri="{28A0092B-C50C-407E-A947-70E740481C1C}">
-                <a14:useLocalDpi xmlns:a14="http://schemas.microsoft.com/office/drawing/2010/main" val="0"/>
-              </a:ext>
-            </a:extLst>
-          </a:blip>
-          <a:stretch>
-            <a:fillRect/>
-          </a:stretch>
-        </p:blipFill>
-        <p:spPr>
-          <a:xfrm>
-            <a:off x="700149" y="1328529"/>
-            <a:ext cx="4760842" cy="4760842"/>
-          </a:xfrm>
-          <a:prstGeom prst="rect">
-            <a:avLst/>
-          </a:prstGeom>
-        </p:spPr>
-      </p:pic>
       <p:sp>
         <p:nvSpPr>
           <p:cNvPr id="6" name="TextBox 5">
@@ -5027,6 +4991,148 @@
           </a:fontRef>
         </p:style>
       </p:cxnSp>
+      <p:pic>
+        <p:nvPicPr>
+          <p:cNvPr id="4" name="Picture 3" descr="A picture containing blur&#10;&#10;Description generated with very high confidence">
+            <a:extLst>
+              <a:ext uri="{FF2B5EF4-FFF2-40B4-BE49-F238E27FC236}">
+                <a16:creationId xmlns:a16="http://schemas.microsoft.com/office/drawing/2014/main" id="{48144B19-9505-45A3-B61A-62587A4CBB0F}"/>
+              </a:ext>
+            </a:extLst>
+          </p:cNvPr>
+          <p:cNvPicPr>
+            <a:picLocks noChangeAspect="1"/>
+          </p:cNvPicPr>
+          <p:nvPr/>
+        </p:nvPicPr>
+        <p:blipFill>
+          <a:blip r:embed="rId2">
+            <a:extLst>
+              <a:ext uri="{28A0092B-C50C-407E-A947-70E740481C1C}">
+                <a14:useLocalDpi xmlns:a14="http://schemas.microsoft.com/office/drawing/2010/main" val="0"/>
+              </a:ext>
+            </a:extLst>
+          </a:blip>
+          <a:stretch>
+            <a:fillRect/>
+          </a:stretch>
+        </p:blipFill>
+        <p:spPr>
+          <a:xfrm>
+            <a:off x="2576945" y="3656506"/>
+            <a:ext cx="2785052" cy="2785052"/>
+          </a:xfrm>
+          <a:prstGeom prst="rect">
+            <a:avLst/>
+          </a:prstGeom>
+        </p:spPr>
+      </p:pic>
+      <p:pic>
+        <p:nvPicPr>
+          <p:cNvPr id="5" name="Picture 4">
+            <a:extLst>
+              <a:ext uri="{FF2B5EF4-FFF2-40B4-BE49-F238E27FC236}">
+                <a16:creationId xmlns:a16="http://schemas.microsoft.com/office/drawing/2014/main" id="{5FD32103-A474-4246-BE58-2748EDC4FB27}"/>
+              </a:ext>
+            </a:extLst>
+          </p:cNvPr>
+          <p:cNvPicPr>
+            <a:picLocks noChangeAspect="1"/>
+          </p:cNvPicPr>
+          <p:nvPr/>
+        </p:nvPicPr>
+        <p:blipFill>
+          <a:blip r:embed="rId3">
+            <a:extLst>
+              <a:ext uri="{28A0092B-C50C-407E-A947-70E740481C1C}">
+                <a14:useLocalDpi xmlns:a14="http://schemas.microsoft.com/office/drawing/2010/main" val="0"/>
+              </a:ext>
+            </a:extLst>
+          </a:blip>
+          <a:stretch>
+            <a:fillRect/>
+          </a:stretch>
+        </p:blipFill>
+        <p:spPr>
+          <a:xfrm>
+            <a:off x="700148" y="1249015"/>
+            <a:ext cx="3101311" cy="3101311"/>
+          </a:xfrm>
+          <a:prstGeom prst="rect">
+            <a:avLst/>
+          </a:prstGeom>
+        </p:spPr>
+      </p:pic>
+      <p:sp>
+        <p:nvSpPr>
+          <p:cNvPr id="8" name="TextBox 7">
+            <a:extLst>
+              <a:ext uri="{FF2B5EF4-FFF2-40B4-BE49-F238E27FC236}">
+                <a16:creationId xmlns:a16="http://schemas.microsoft.com/office/drawing/2014/main" id="{8ED50128-9835-4442-8273-7BBC200BF361}"/>
+              </a:ext>
+            </a:extLst>
+          </p:cNvPr>
+          <p:cNvSpPr txBox="1"/>
+          <p:nvPr/>
+        </p:nvSpPr>
+        <p:spPr>
+          <a:xfrm>
+            <a:off x="1552477" y="6089371"/>
+            <a:ext cx="1034473" cy="369332"/>
+          </a:xfrm>
+          <a:prstGeom prst="rect">
+            <a:avLst/>
+          </a:prstGeom>
+          <a:noFill/>
+        </p:spPr>
+        <p:txBody>
+          <a:bodyPr wrap="square" rtlCol="0">
+            <a:spAutoFit/>
+          </a:bodyPr>
+          <a:lstStyle/>
+          <a:p>
+            <a:r>
+              <a:rPr lang="en-US" dirty="0"/>
+              <a:t>altitude</a:t>
+            </a:r>
+          </a:p>
+        </p:txBody>
+      </p:sp>
+      <p:sp>
+        <p:nvSpPr>
+          <p:cNvPr id="9" name="TextBox 8">
+            <a:extLst>
+              <a:ext uri="{FF2B5EF4-FFF2-40B4-BE49-F238E27FC236}">
+                <a16:creationId xmlns:a16="http://schemas.microsoft.com/office/drawing/2014/main" id="{C3A6E41D-4218-4F7F-AA64-00CBC0021E24}"/>
+              </a:ext>
+            </a:extLst>
+          </p:cNvPr>
+          <p:cNvSpPr txBox="1"/>
+          <p:nvPr/>
+        </p:nvSpPr>
+        <p:spPr>
+          <a:xfrm>
+            <a:off x="645498" y="4350326"/>
+            <a:ext cx="1627416" cy="369332"/>
+          </a:xfrm>
+          <a:prstGeom prst="rect">
+            <a:avLst/>
+          </a:prstGeom>
+          <a:noFill/>
+        </p:spPr>
+        <p:txBody>
+          <a:bodyPr wrap="square" rtlCol="0">
+            <a:spAutoFit/>
+          </a:bodyPr>
+          <a:lstStyle/>
+          <a:p>
+            <a:r>
+              <a:rPr lang="en-US" dirty="0"/>
+              <a:t>population</a:t>
+            </a:r>
+          </a:p>
+        </p:txBody>
+      </p:sp>
     </p:spTree>
     <p:extLst>
       <p:ext uri="{BB962C8B-B14F-4D97-AF65-F5344CB8AC3E}">
@@ -10156,7 +10262,7 @@
           </a:ln>
           <a:extLst>
             <a:ext uri="{C572A759-6A51-4108-AA02-DFA0A04FC94B}">
-              <ma14:wrappingTextBoxFlag xmlns:ma14="http://schemas.microsoft.com/office/mac/drawingml/2011/main" xmlns="" val="1"/>
+              <ma14:wrappingTextBoxFlag xmlns="" xmlns:ma14="http://schemas.microsoft.com/office/mac/drawingml/2011/main" val="1"/>
             </a:ext>
           </a:extLst>
         </p:spPr>
@@ -10224,7 +10330,7 @@
           </a:ln>
           <a:extLst>
             <a:ext uri="{C572A759-6A51-4108-AA02-DFA0A04FC94B}">
-              <ma14:wrappingTextBoxFlag xmlns:ma14="http://schemas.microsoft.com/office/mac/drawingml/2011/main" xmlns="" val="1"/>
+              <ma14:wrappingTextBoxFlag xmlns="" xmlns:ma14="http://schemas.microsoft.com/office/mac/drawingml/2011/main" val="1"/>
             </a:ext>
           </a:extLst>
         </p:spPr>
@@ -10324,7 +10430,7 @@
           </a:ln>
           <a:extLst>
             <a:ext uri="{C572A759-6A51-4108-AA02-DFA0A04FC94B}">
-              <ma14:wrappingTextBoxFlag xmlns:ma14="http://schemas.microsoft.com/office/mac/drawingml/2011/main" xmlns="" val="1"/>
+              <ma14:wrappingTextBoxFlag xmlns="" xmlns:ma14="http://schemas.microsoft.com/office/mac/drawingml/2011/main" val="1"/>
             </a:ext>
           </a:extLst>
         </p:spPr>
@@ -10385,7 +10491,7 @@
           </a:ln>
           <a:extLst>
             <a:ext uri="{C572A759-6A51-4108-AA02-DFA0A04FC94B}">
-              <ma14:wrappingTextBoxFlag xmlns:ma14="http://schemas.microsoft.com/office/mac/drawingml/2011/main" xmlns="" val="1"/>
+              <ma14:wrappingTextBoxFlag xmlns="" xmlns:ma14="http://schemas.microsoft.com/office/mac/drawingml/2011/main" val="1"/>
             </a:ext>
           </a:extLst>
         </p:spPr>
@@ -10437,7 +10543,7 @@
           </a:ln>
           <a:extLst>
             <a:ext uri="{C572A759-6A51-4108-AA02-DFA0A04FC94B}">
-              <ma14:wrappingTextBoxFlag xmlns:ma14="http://schemas.microsoft.com/office/mac/drawingml/2011/main" xmlns="" val="1"/>
+              <ma14:wrappingTextBoxFlag xmlns="" xmlns:ma14="http://schemas.microsoft.com/office/mac/drawingml/2011/main" val="1"/>
             </a:ext>
           </a:extLst>
         </p:spPr>
@@ -10483,7 +10589,7 @@
           </a:ln>
           <a:extLst>
             <a:ext uri="{C572A759-6A51-4108-AA02-DFA0A04FC94B}">
-              <ma14:wrappingTextBoxFlag xmlns:ma14="http://schemas.microsoft.com/office/mac/drawingml/2011/main" xmlns="" val="1"/>
+              <ma14:wrappingTextBoxFlag xmlns="" xmlns:ma14="http://schemas.microsoft.com/office/mac/drawingml/2011/main" val="1"/>
             </a:ext>
           </a:extLst>
         </p:spPr>
@@ -10523,7 +10629,7 @@
           </a:ln>
           <a:extLst>
             <a:ext uri="{C572A759-6A51-4108-AA02-DFA0A04FC94B}">
-              <ma14:wrappingTextBoxFlag xmlns:ma14="http://schemas.microsoft.com/office/mac/drawingml/2011/main" xmlns="" val="1"/>
+              <ma14:wrappingTextBoxFlag xmlns="" xmlns:ma14="http://schemas.microsoft.com/office/mac/drawingml/2011/main" val="1"/>
             </a:ext>
           </a:extLst>
         </p:spPr>
@@ -10646,7 +10752,7 @@
             </a:ln>
             <a:extLst>
               <a:ext uri="{C572A759-6A51-4108-AA02-DFA0A04FC94B}">
-                <ma14:wrappingTextBoxFlag xmlns:ma14="http://schemas.microsoft.com/office/mac/drawingml/2011/main" xmlns="" val="1"/>
+                <ma14:wrappingTextBoxFlag xmlns="" xmlns:ma14="http://schemas.microsoft.com/office/mac/drawingml/2011/main" val="1"/>
               </a:ext>
             </a:extLst>
           </p:spPr>
@@ -10682,7 +10788,7 @@
             </a:ln>
             <a:extLst>
               <a:ext uri="{C572A759-6A51-4108-AA02-DFA0A04FC94B}">
-                <ma14:wrappingTextBoxFlag xmlns:ma14="http://schemas.microsoft.com/office/mac/drawingml/2011/main" xmlns="" val="1"/>
+                <ma14:wrappingTextBoxFlag xmlns="" xmlns:ma14="http://schemas.microsoft.com/office/mac/drawingml/2011/main" val="1"/>
               </a:ext>
             </a:extLst>
           </p:spPr>
@@ -10790,7 +10896,7 @@
           </a:ln>
           <a:extLst>
             <a:ext uri="{C572A759-6A51-4108-AA02-DFA0A04FC94B}">
-              <ma14:wrappingTextBoxFlag xmlns:ma14="http://schemas.microsoft.com/office/mac/drawingml/2011/main" xmlns="" val="1"/>
+              <ma14:wrappingTextBoxFlag xmlns="" xmlns:ma14="http://schemas.microsoft.com/office/mac/drawingml/2011/main" val="1"/>
             </a:ext>
           </a:extLst>
         </p:spPr>
@@ -11027,7 +11133,7 @@
           </a:ln>
           <a:extLst>
             <a:ext uri="{C572A759-6A51-4108-AA02-DFA0A04FC94B}">
-              <ma14:wrappingTextBoxFlag xmlns:ma14="http://schemas.microsoft.com/office/mac/drawingml/2011/main" xmlns="" val="1"/>
+              <ma14:wrappingTextBoxFlag xmlns="" xmlns:ma14="http://schemas.microsoft.com/office/mac/drawingml/2011/main" val="1"/>
             </a:ext>
           </a:extLst>
         </p:spPr>

--- a/docs/Mexico Disease.pptx
+++ b/docs/Mexico Disease.pptx
@@ -9,10 +9,10 @@
   </p:notesMasterIdLst>
   <p:sldIdLst>
     <p:sldId id="275" r:id="rId2"/>
-    <p:sldId id="271" r:id="rId3"/>
-    <p:sldId id="276" r:id="rId4"/>
-    <p:sldId id="270" r:id="rId5"/>
-    <p:sldId id="272" r:id="rId6"/>
+    <p:sldId id="276" r:id="rId3"/>
+    <p:sldId id="270" r:id="rId4"/>
+    <p:sldId id="272" r:id="rId5"/>
+    <p:sldId id="271" r:id="rId6"/>
     <p:sldId id="273" r:id="rId7"/>
     <p:sldId id="274" r:id="rId8"/>
     <p:sldId id="267" r:id="rId9"/>
@@ -248,7 +248,7 @@
           <a:p>
             <a:fld id="{3009028A-7D60-496F-B802-88ED35530384}" type="datetimeFigureOut">
               <a:rPr lang="en-US" smtClean="0"/>
-              <a:t>07-Jan-18</a:t>
+              <a:t>1/7/2018</a:t>
             </a:fld>
             <a:endParaRPr lang="en-US"/>
           </a:p>
@@ -583,7 +583,7 @@
           <a:p>
             <a:fld id="{4F9A933D-B58B-4995-870A-A2CBBF069D0B}" type="slidenum">
               <a:rPr lang="en-US" smtClean="0"/>
-              <a:t>2</a:t>
+              <a:t>5</a:t>
             </a:fld>
             <a:endParaRPr lang="en-US"/>
           </a:p>
@@ -1211,7 +1211,7 @@
           <a:p>
             <a:fld id="{FC651705-9AC5-4ACC-85F5-3EE35D2A53A1}" type="datetimeFigureOut">
               <a:rPr lang="en-US" smtClean="0"/>
-              <a:t>07-Jan-18</a:t>
+              <a:t>1/7/2018</a:t>
             </a:fld>
             <a:endParaRPr lang="en-US"/>
           </a:p>
@@ -1409,7 +1409,7 @@
           <a:p>
             <a:fld id="{FC651705-9AC5-4ACC-85F5-3EE35D2A53A1}" type="datetimeFigureOut">
               <a:rPr lang="en-US" smtClean="0"/>
-              <a:t>07-Jan-18</a:t>
+              <a:t>1/7/2018</a:t>
             </a:fld>
             <a:endParaRPr lang="en-US"/>
           </a:p>
@@ -1617,7 +1617,7 @@
           <a:p>
             <a:fld id="{FC651705-9AC5-4ACC-85F5-3EE35D2A53A1}" type="datetimeFigureOut">
               <a:rPr lang="en-US" smtClean="0"/>
-              <a:t>07-Jan-18</a:t>
+              <a:t>1/7/2018</a:t>
             </a:fld>
             <a:endParaRPr lang="en-US"/>
           </a:p>
@@ -1897,7 +1897,7 @@
           <a:p>
             <a:fld id="{FC651705-9AC5-4ACC-85F5-3EE35D2A53A1}" type="datetimeFigureOut">
               <a:rPr lang="en-US" smtClean="0"/>
-              <a:t>07-Jan-18</a:t>
+              <a:t>1/7/2018</a:t>
             </a:fld>
             <a:endParaRPr lang="en-US"/>
           </a:p>
@@ -2172,7 +2172,7 @@
           <a:p>
             <a:fld id="{FC651705-9AC5-4ACC-85F5-3EE35D2A53A1}" type="datetimeFigureOut">
               <a:rPr lang="en-US" smtClean="0"/>
-              <a:t>07-Jan-18</a:t>
+              <a:t>1/7/2018</a:t>
             </a:fld>
             <a:endParaRPr lang="en-US"/>
           </a:p>
@@ -2437,7 +2437,7 @@
           <a:p>
             <a:fld id="{FC651705-9AC5-4ACC-85F5-3EE35D2A53A1}" type="datetimeFigureOut">
               <a:rPr lang="en-US" smtClean="0"/>
-              <a:t>07-Jan-18</a:t>
+              <a:t>1/7/2018</a:t>
             </a:fld>
             <a:endParaRPr lang="en-US"/>
           </a:p>
@@ -2849,7 +2849,7 @@
           <a:p>
             <a:fld id="{FC651705-9AC5-4ACC-85F5-3EE35D2A53A1}" type="datetimeFigureOut">
               <a:rPr lang="en-US" smtClean="0"/>
-              <a:t>07-Jan-18</a:t>
+              <a:t>1/7/2018</a:t>
             </a:fld>
             <a:endParaRPr lang="en-US"/>
           </a:p>
@@ -2990,7 +2990,7 @@
           <a:p>
             <a:fld id="{FC651705-9AC5-4ACC-85F5-3EE35D2A53A1}" type="datetimeFigureOut">
               <a:rPr lang="en-US" smtClean="0"/>
-              <a:t>07-Jan-18</a:t>
+              <a:t>1/7/2018</a:t>
             </a:fld>
             <a:endParaRPr lang="en-US"/>
           </a:p>
@@ -3103,7 +3103,7 @@
           <a:p>
             <a:fld id="{FC651705-9AC5-4ACC-85F5-3EE35D2A53A1}" type="datetimeFigureOut">
               <a:rPr lang="en-US" smtClean="0"/>
-              <a:t>07-Jan-18</a:t>
+              <a:t>1/7/2018</a:t>
             </a:fld>
             <a:endParaRPr lang="en-US"/>
           </a:p>
@@ -3414,7 +3414,7 @@
           <a:p>
             <a:fld id="{FC651705-9AC5-4ACC-85F5-3EE35D2A53A1}" type="datetimeFigureOut">
               <a:rPr lang="en-US" smtClean="0"/>
-              <a:t>07-Jan-18</a:t>
+              <a:t>1/7/2018</a:t>
             </a:fld>
             <a:endParaRPr lang="en-US"/>
           </a:p>
@@ -3702,7 +3702,7 @@
           <a:p>
             <a:fld id="{FC651705-9AC5-4ACC-85F5-3EE35D2A53A1}" type="datetimeFigureOut">
               <a:rPr lang="en-US" smtClean="0"/>
-              <a:t>07-Jan-18</a:t>
+              <a:t>1/7/2018</a:t>
             </a:fld>
             <a:endParaRPr lang="en-US"/>
           </a:p>
@@ -3943,7 +3943,7 @@
           <a:p>
             <a:fld id="{FC651705-9AC5-4ACC-85F5-3EE35D2A53A1}" type="datetimeFigureOut">
               <a:rPr lang="en-US" smtClean="0"/>
-              <a:t>07-Jan-18</a:t>
+              <a:t>1/7/2018</a:t>
             </a:fld>
             <a:endParaRPr lang="en-US"/>
           </a:p>
@@ -4528,7 +4528,7 @@
           </a:ln>
           <a:extLst>
             <a:ext uri="{C572A759-6A51-4108-AA02-DFA0A04FC94B}">
-              <ma14:wrappingTextBoxFlag xmlns="" xmlns:ma14="http://schemas.microsoft.com/office/mac/drawingml/2011/main" val="1"/>
+              <ma14:wrappingTextBoxFlag xmlns:ma14="http://schemas.microsoft.com/office/mac/drawingml/2011/main" xmlns="" val="1"/>
             </a:ext>
           </a:extLst>
         </p:spPr>
@@ -9913,153 +9913,6 @@
           <a:chExt cx="0" cy="0"/>
         </a:xfrm>
       </p:grpSpPr>
-      <p:pic>
-        <p:nvPicPr>
-          <p:cNvPr id="2" name="Picture 1">
-            <a:extLst>
-              <a:ext uri="{FF2B5EF4-FFF2-40B4-BE49-F238E27FC236}">
-                <a16:creationId xmlns:a16="http://schemas.microsoft.com/office/drawing/2014/main" id="{AF547C89-1F6E-4DE9-BFEA-2BFA615668A3}"/>
-              </a:ext>
-            </a:extLst>
-          </p:cNvPr>
-          <p:cNvPicPr>
-            <a:picLocks noChangeAspect="1"/>
-          </p:cNvPicPr>
-          <p:nvPr/>
-        </p:nvPicPr>
-        <p:blipFill>
-          <a:blip r:embed="rId3"/>
-          <a:stretch>
-            <a:fillRect/>
-          </a:stretch>
-        </p:blipFill>
-        <p:spPr>
-          <a:xfrm>
-            <a:off x="6530109" y="674423"/>
-            <a:ext cx="4088739" cy="3393653"/>
-          </a:xfrm>
-          <a:prstGeom prst="ellipse">
-            <a:avLst/>
-          </a:prstGeom>
-          <a:ln>
-            <a:noFill/>
-          </a:ln>
-          <a:effectLst>
-            <a:softEdge rad="112500"/>
-          </a:effectLst>
-        </p:spPr>
-      </p:pic>
-      <p:sp>
-        <p:nvSpPr>
-          <p:cNvPr id="5" name="Title 4">
-            <a:extLst>
-              <a:ext uri="{FF2B5EF4-FFF2-40B4-BE49-F238E27FC236}">
-                <a16:creationId xmlns:a16="http://schemas.microsoft.com/office/drawing/2014/main" id="{7AD45EB5-D997-41E1-B846-76C1BDFA0811}"/>
-              </a:ext>
-            </a:extLst>
-          </p:cNvPr>
-          <p:cNvSpPr>
-            <a:spLocks noGrp="1"/>
-          </p:cNvSpPr>
-          <p:nvPr>
-            <p:ph type="title"/>
-          </p:nvPr>
-        </p:nvSpPr>
-        <p:spPr/>
-        <p:txBody>
-          <a:bodyPr/>
-          <a:lstStyle/>
-          <a:p>
-            <a:r>
-              <a:rPr lang="en-US" dirty="0"/>
-              <a:t>Waterborne Disease</a:t>
-            </a:r>
-          </a:p>
-        </p:txBody>
-      </p:sp>
-      <p:sp>
-        <p:nvSpPr>
-          <p:cNvPr id="6" name="Content Placeholder 5">
-            <a:extLst>
-              <a:ext uri="{FF2B5EF4-FFF2-40B4-BE49-F238E27FC236}">
-                <a16:creationId xmlns:a16="http://schemas.microsoft.com/office/drawing/2014/main" id="{8D502D64-BFDA-4E61-A6D8-2AB3CCDC16E9}"/>
-              </a:ext>
-            </a:extLst>
-          </p:cNvPr>
-          <p:cNvSpPr>
-            <a:spLocks noGrp="1"/>
-          </p:cNvSpPr>
-          <p:nvPr>
-            <p:ph idx="1"/>
-          </p:nvPr>
-        </p:nvSpPr>
-        <p:spPr>
-          <a:xfrm>
-            <a:off x="670034" y="3286123"/>
-            <a:ext cx="10515600" cy="3214085"/>
-          </a:xfrm>
-        </p:spPr>
-        <p:txBody>
-          <a:bodyPr/>
-          <a:lstStyle/>
-          <a:p>
-            <a:r>
-              <a:rPr lang="en-US" dirty="0"/>
-              <a:t>Giardiasis</a:t>
-            </a:r>
-          </a:p>
-          <a:p>
-            <a:r>
-              <a:rPr lang="en-US" dirty="0"/>
-              <a:t>Associated with poor sanitation and water quality (high prevalence reported from parts of Mexico)</a:t>
-            </a:r>
-          </a:p>
-          <a:p>
-            <a:r>
-              <a:rPr lang="en-US" dirty="0"/>
-              <a:t>In highly populated, urban areas where water sanitation is a problem, incidence can rise very quickly </a:t>
-            </a:r>
-            <a:r>
-              <a:rPr lang="en-US" dirty="0">
-                <a:highlight>
-                  <a:srgbClr val="FFFF00"/>
-                </a:highlight>
-              </a:rPr>
-              <a:t>once a few people are infected</a:t>
-            </a:r>
-          </a:p>
-        </p:txBody>
-      </p:sp>
-    </p:spTree>
-    <p:extLst>
-      <p:ext uri="{BB962C8B-B14F-4D97-AF65-F5344CB8AC3E}">
-        <p14:creationId xmlns:p14="http://schemas.microsoft.com/office/powerpoint/2010/main" val="2550889191"/>
-      </p:ext>
-    </p:extLst>
-  </p:cSld>
-  <p:clrMapOvr>
-    <a:masterClrMapping/>
-  </p:clrMapOvr>
-</p:sld>
-</file>
-
-<file path=ppt/slides/slide3.xml><?xml version="1.0" encoding="utf-8"?>
-<p:sld xmlns:a="http://schemas.openxmlformats.org/drawingml/2006/main" xmlns:r="http://schemas.openxmlformats.org/officeDocument/2006/relationships" xmlns:p="http://schemas.openxmlformats.org/presentationml/2006/main">
-  <p:cSld>
-    <p:spTree>
-      <p:nvGrpSpPr>
-        <p:cNvPr id="1" name=""/>
-        <p:cNvGrpSpPr/>
-        <p:nvPr/>
-      </p:nvGrpSpPr>
-      <p:grpSpPr>
-        <a:xfrm>
-          <a:off x="0" y="0"/>
-          <a:ext cx="0" cy="0"/>
-          <a:chOff x="0" y="0"/>
-          <a:chExt cx="0" cy="0"/>
-        </a:xfrm>
-      </p:grpSpPr>
       <p:sp>
         <p:nvSpPr>
           <p:cNvPr id="136" name="Shape 136"/>
@@ -10156,7 +10009,7 @@
           </a:ln>
           <a:extLst>
             <a:ext uri="{C572A759-6A51-4108-AA02-DFA0A04FC94B}">
-              <ma14:wrappingTextBoxFlag xmlns="" xmlns:ma14="http://schemas.microsoft.com/office/mac/drawingml/2011/main" val="1"/>
+              <ma14:wrappingTextBoxFlag xmlns:ma14="http://schemas.microsoft.com/office/mac/drawingml/2011/main" xmlns="" val="1"/>
             </a:ext>
           </a:extLst>
         </p:spPr>
@@ -10224,7 +10077,7 @@
           </a:ln>
           <a:extLst>
             <a:ext uri="{C572A759-6A51-4108-AA02-DFA0A04FC94B}">
-              <ma14:wrappingTextBoxFlag xmlns="" xmlns:ma14="http://schemas.microsoft.com/office/mac/drawingml/2011/main" val="1"/>
+              <ma14:wrappingTextBoxFlag xmlns:ma14="http://schemas.microsoft.com/office/mac/drawingml/2011/main" xmlns="" val="1"/>
             </a:ext>
           </a:extLst>
         </p:spPr>
@@ -10324,7 +10177,7 @@
           </a:ln>
           <a:extLst>
             <a:ext uri="{C572A759-6A51-4108-AA02-DFA0A04FC94B}">
-              <ma14:wrappingTextBoxFlag xmlns="" xmlns:ma14="http://schemas.microsoft.com/office/mac/drawingml/2011/main" val="1"/>
+              <ma14:wrappingTextBoxFlag xmlns:ma14="http://schemas.microsoft.com/office/mac/drawingml/2011/main" xmlns="" val="1"/>
             </a:ext>
           </a:extLst>
         </p:spPr>
@@ -10385,7 +10238,7 @@
           </a:ln>
           <a:extLst>
             <a:ext uri="{C572A759-6A51-4108-AA02-DFA0A04FC94B}">
-              <ma14:wrappingTextBoxFlag xmlns="" xmlns:ma14="http://schemas.microsoft.com/office/mac/drawingml/2011/main" val="1"/>
+              <ma14:wrappingTextBoxFlag xmlns:ma14="http://schemas.microsoft.com/office/mac/drawingml/2011/main" xmlns="" val="1"/>
             </a:ext>
           </a:extLst>
         </p:spPr>
@@ -10437,7 +10290,7 @@
           </a:ln>
           <a:extLst>
             <a:ext uri="{C572A759-6A51-4108-AA02-DFA0A04FC94B}">
-              <ma14:wrappingTextBoxFlag xmlns="" xmlns:ma14="http://schemas.microsoft.com/office/mac/drawingml/2011/main" val="1"/>
+              <ma14:wrappingTextBoxFlag xmlns:ma14="http://schemas.microsoft.com/office/mac/drawingml/2011/main" xmlns="" val="1"/>
             </a:ext>
           </a:extLst>
         </p:spPr>
@@ -10483,7 +10336,7 @@
           </a:ln>
           <a:extLst>
             <a:ext uri="{C572A759-6A51-4108-AA02-DFA0A04FC94B}">
-              <ma14:wrappingTextBoxFlag xmlns="" xmlns:ma14="http://schemas.microsoft.com/office/mac/drawingml/2011/main" val="1"/>
+              <ma14:wrappingTextBoxFlag xmlns:ma14="http://schemas.microsoft.com/office/mac/drawingml/2011/main" xmlns="" val="1"/>
             </a:ext>
           </a:extLst>
         </p:spPr>
@@ -10523,7 +10376,7 @@
           </a:ln>
           <a:extLst>
             <a:ext uri="{C572A759-6A51-4108-AA02-DFA0A04FC94B}">
-              <ma14:wrappingTextBoxFlag xmlns="" xmlns:ma14="http://schemas.microsoft.com/office/mac/drawingml/2011/main" val="1"/>
+              <ma14:wrappingTextBoxFlag xmlns:ma14="http://schemas.microsoft.com/office/mac/drawingml/2011/main" xmlns="" val="1"/>
             </a:ext>
           </a:extLst>
         </p:spPr>
@@ -10646,7 +10499,7 @@
             </a:ln>
             <a:extLst>
               <a:ext uri="{C572A759-6A51-4108-AA02-DFA0A04FC94B}">
-                <ma14:wrappingTextBoxFlag xmlns="" xmlns:ma14="http://schemas.microsoft.com/office/mac/drawingml/2011/main" val="1"/>
+                <ma14:wrappingTextBoxFlag xmlns:ma14="http://schemas.microsoft.com/office/mac/drawingml/2011/main" xmlns="" val="1"/>
               </a:ext>
             </a:extLst>
           </p:spPr>
@@ -10682,7 +10535,7 @@
             </a:ln>
             <a:extLst>
               <a:ext uri="{C572A759-6A51-4108-AA02-DFA0A04FC94B}">
-                <ma14:wrappingTextBoxFlag xmlns="" xmlns:ma14="http://schemas.microsoft.com/office/mac/drawingml/2011/main" val="1"/>
+                <ma14:wrappingTextBoxFlag xmlns:ma14="http://schemas.microsoft.com/office/mac/drawingml/2011/main" xmlns="" val="1"/>
               </a:ext>
             </a:extLst>
           </p:spPr>
@@ -10790,7 +10643,7 @@
           </a:ln>
           <a:extLst>
             <a:ext uri="{C572A759-6A51-4108-AA02-DFA0A04FC94B}">
-              <ma14:wrappingTextBoxFlag xmlns="" xmlns:ma14="http://schemas.microsoft.com/office/mac/drawingml/2011/main" val="1"/>
+              <ma14:wrappingTextBoxFlag xmlns:ma14="http://schemas.microsoft.com/office/mac/drawingml/2011/main" xmlns="" val="1"/>
             </a:ext>
           </a:extLst>
         </p:spPr>
@@ -11027,7 +10880,7 @@
           </a:ln>
           <a:extLst>
             <a:ext uri="{C572A759-6A51-4108-AA02-DFA0A04FC94B}">
-              <ma14:wrappingTextBoxFlag xmlns="" xmlns:ma14="http://schemas.microsoft.com/office/mac/drawingml/2011/main" val="1"/>
+              <ma14:wrappingTextBoxFlag xmlns:ma14="http://schemas.microsoft.com/office/mac/drawingml/2011/main" xmlns="" val="1"/>
             </a:ext>
           </a:extLst>
         </p:spPr>
@@ -11119,7 +10972,7 @@
 </p:sld>
 </file>
 
-<file path=ppt/slides/slide4.xml><?xml version="1.0" encoding="utf-8"?>
+<file path=ppt/slides/slide3.xml><?xml version="1.0" encoding="utf-8"?>
 <p:sld xmlns:a="http://schemas.openxmlformats.org/drawingml/2006/main" xmlns:r="http://schemas.openxmlformats.org/officeDocument/2006/relationships" xmlns:p="http://schemas.openxmlformats.org/presentationml/2006/main">
   <p:cSld>
     <p:spTree>
@@ -11599,7 +11452,7 @@
 </p:sld>
 </file>
 
-<file path=ppt/slides/slide5.xml><?xml version="1.0" encoding="utf-8"?>
+<file path=ppt/slides/slide4.xml><?xml version="1.0" encoding="utf-8"?>
 <p:sld xmlns:a="http://schemas.openxmlformats.org/drawingml/2006/main" xmlns:r="http://schemas.openxmlformats.org/officeDocument/2006/relationships" xmlns:p="http://schemas.openxmlformats.org/presentationml/2006/main">
   <p:cSld>
     <p:spTree>
@@ -11702,6 +11555,153 @@
     <p:extLst>
       <p:ext uri="{BB962C8B-B14F-4D97-AF65-F5344CB8AC3E}">
         <p14:creationId xmlns:p14="http://schemas.microsoft.com/office/powerpoint/2010/main" val="3119561247"/>
+      </p:ext>
+    </p:extLst>
+  </p:cSld>
+  <p:clrMapOvr>
+    <a:masterClrMapping/>
+  </p:clrMapOvr>
+</p:sld>
+</file>
+
+<file path=ppt/slides/slide5.xml><?xml version="1.0" encoding="utf-8"?>
+<p:sld xmlns:a="http://schemas.openxmlformats.org/drawingml/2006/main" xmlns:r="http://schemas.openxmlformats.org/officeDocument/2006/relationships" xmlns:p="http://schemas.openxmlformats.org/presentationml/2006/main">
+  <p:cSld>
+    <p:spTree>
+      <p:nvGrpSpPr>
+        <p:cNvPr id="1" name=""/>
+        <p:cNvGrpSpPr/>
+        <p:nvPr/>
+      </p:nvGrpSpPr>
+      <p:grpSpPr>
+        <a:xfrm>
+          <a:off x="0" y="0"/>
+          <a:ext cx="0" cy="0"/>
+          <a:chOff x="0" y="0"/>
+          <a:chExt cx="0" cy="0"/>
+        </a:xfrm>
+      </p:grpSpPr>
+      <p:pic>
+        <p:nvPicPr>
+          <p:cNvPr id="2" name="Picture 1">
+            <a:extLst>
+              <a:ext uri="{FF2B5EF4-FFF2-40B4-BE49-F238E27FC236}">
+                <a16:creationId xmlns:a16="http://schemas.microsoft.com/office/drawing/2014/main" id="{AF547C89-1F6E-4DE9-BFEA-2BFA615668A3}"/>
+              </a:ext>
+            </a:extLst>
+          </p:cNvPr>
+          <p:cNvPicPr>
+            <a:picLocks noChangeAspect="1"/>
+          </p:cNvPicPr>
+          <p:nvPr/>
+        </p:nvPicPr>
+        <p:blipFill>
+          <a:blip r:embed="rId3"/>
+          <a:stretch>
+            <a:fillRect/>
+          </a:stretch>
+        </p:blipFill>
+        <p:spPr>
+          <a:xfrm>
+            <a:off x="6530109" y="674423"/>
+            <a:ext cx="4088739" cy="3393653"/>
+          </a:xfrm>
+          <a:prstGeom prst="ellipse">
+            <a:avLst/>
+          </a:prstGeom>
+          <a:ln>
+            <a:noFill/>
+          </a:ln>
+          <a:effectLst>
+            <a:softEdge rad="112500"/>
+          </a:effectLst>
+        </p:spPr>
+      </p:pic>
+      <p:sp>
+        <p:nvSpPr>
+          <p:cNvPr id="5" name="Title 4">
+            <a:extLst>
+              <a:ext uri="{FF2B5EF4-FFF2-40B4-BE49-F238E27FC236}">
+                <a16:creationId xmlns:a16="http://schemas.microsoft.com/office/drawing/2014/main" id="{7AD45EB5-D997-41E1-B846-76C1BDFA0811}"/>
+              </a:ext>
+            </a:extLst>
+          </p:cNvPr>
+          <p:cNvSpPr>
+            <a:spLocks noGrp="1"/>
+          </p:cNvSpPr>
+          <p:nvPr>
+            <p:ph type="title"/>
+          </p:nvPr>
+        </p:nvSpPr>
+        <p:spPr/>
+        <p:txBody>
+          <a:bodyPr/>
+          <a:lstStyle/>
+          <a:p>
+            <a:r>
+              <a:rPr lang="en-US" dirty="0"/>
+              <a:t>Waterborne Disease</a:t>
+            </a:r>
+          </a:p>
+        </p:txBody>
+      </p:sp>
+      <p:sp>
+        <p:nvSpPr>
+          <p:cNvPr id="6" name="Content Placeholder 5">
+            <a:extLst>
+              <a:ext uri="{FF2B5EF4-FFF2-40B4-BE49-F238E27FC236}">
+                <a16:creationId xmlns:a16="http://schemas.microsoft.com/office/drawing/2014/main" id="{8D502D64-BFDA-4E61-A6D8-2AB3CCDC16E9}"/>
+              </a:ext>
+            </a:extLst>
+          </p:cNvPr>
+          <p:cNvSpPr>
+            <a:spLocks noGrp="1"/>
+          </p:cNvSpPr>
+          <p:nvPr>
+            <p:ph idx="1"/>
+          </p:nvPr>
+        </p:nvSpPr>
+        <p:spPr>
+          <a:xfrm>
+            <a:off x="670034" y="3286123"/>
+            <a:ext cx="10515600" cy="3214085"/>
+          </a:xfrm>
+        </p:spPr>
+        <p:txBody>
+          <a:bodyPr/>
+          <a:lstStyle/>
+          <a:p>
+            <a:r>
+              <a:rPr lang="en-US" dirty="0"/>
+              <a:t>Giardiasis</a:t>
+            </a:r>
+          </a:p>
+          <a:p>
+            <a:r>
+              <a:rPr lang="en-US" dirty="0"/>
+              <a:t>Associated with poor sanitation and water quality (high prevalence reported from parts of Mexico)</a:t>
+            </a:r>
+          </a:p>
+          <a:p>
+            <a:r>
+              <a:rPr lang="en-US" dirty="0"/>
+              <a:t>In highly populated, urban areas where water sanitation is a problem, incidence can rise very quickly </a:t>
+            </a:r>
+            <a:r>
+              <a:rPr lang="en-US" dirty="0">
+                <a:highlight>
+                  <a:srgbClr val="FFFF00"/>
+                </a:highlight>
+              </a:rPr>
+              <a:t>once a few people are infected</a:t>
+            </a:r>
+          </a:p>
+        </p:txBody>
+      </p:sp>
+    </p:spTree>
+    <p:extLst>
+      <p:ext uri="{BB962C8B-B14F-4D97-AF65-F5344CB8AC3E}">
+        <p14:creationId xmlns:p14="http://schemas.microsoft.com/office/powerpoint/2010/main" val="2550889191"/>
       </p:ext>
     </p:extLst>
   </p:cSld>

--- a/docs/Mexico Disease.pptx
+++ b/docs/Mexico Disease.pptx
@@ -248,7 +248,7 @@
           <a:p>
             <a:fld id="{3009028A-7D60-496F-B802-88ED35530384}" type="datetimeFigureOut">
               <a:rPr lang="en-US" smtClean="0"/>
-              <a:t>1/7/2018</a:t>
+              <a:t>07-Jan-18</a:t>
             </a:fld>
             <a:endParaRPr lang="en-US"/>
           </a:p>
@@ -1211,7 +1211,7 @@
           <a:p>
             <a:fld id="{FC651705-9AC5-4ACC-85F5-3EE35D2A53A1}" type="datetimeFigureOut">
               <a:rPr lang="en-US" smtClean="0"/>
-              <a:t>1/7/2018</a:t>
+              <a:t>07-Jan-18</a:t>
             </a:fld>
             <a:endParaRPr lang="en-US"/>
           </a:p>
@@ -1409,7 +1409,7 @@
           <a:p>
             <a:fld id="{FC651705-9AC5-4ACC-85F5-3EE35D2A53A1}" type="datetimeFigureOut">
               <a:rPr lang="en-US" smtClean="0"/>
-              <a:t>1/7/2018</a:t>
+              <a:t>07-Jan-18</a:t>
             </a:fld>
             <a:endParaRPr lang="en-US"/>
           </a:p>
@@ -1617,7 +1617,7 @@
           <a:p>
             <a:fld id="{FC651705-9AC5-4ACC-85F5-3EE35D2A53A1}" type="datetimeFigureOut">
               <a:rPr lang="en-US" smtClean="0"/>
-              <a:t>1/7/2018</a:t>
+              <a:t>07-Jan-18</a:t>
             </a:fld>
             <a:endParaRPr lang="en-US"/>
           </a:p>
@@ -1897,7 +1897,7 @@
           <a:p>
             <a:fld id="{FC651705-9AC5-4ACC-85F5-3EE35D2A53A1}" type="datetimeFigureOut">
               <a:rPr lang="en-US" smtClean="0"/>
-              <a:t>1/7/2018</a:t>
+              <a:t>07-Jan-18</a:t>
             </a:fld>
             <a:endParaRPr lang="en-US"/>
           </a:p>
@@ -2172,7 +2172,7 @@
           <a:p>
             <a:fld id="{FC651705-9AC5-4ACC-85F5-3EE35D2A53A1}" type="datetimeFigureOut">
               <a:rPr lang="en-US" smtClean="0"/>
-              <a:t>1/7/2018</a:t>
+              <a:t>07-Jan-18</a:t>
             </a:fld>
             <a:endParaRPr lang="en-US"/>
           </a:p>
@@ -2437,7 +2437,7 @@
           <a:p>
             <a:fld id="{FC651705-9AC5-4ACC-85F5-3EE35D2A53A1}" type="datetimeFigureOut">
               <a:rPr lang="en-US" smtClean="0"/>
-              <a:t>1/7/2018</a:t>
+              <a:t>07-Jan-18</a:t>
             </a:fld>
             <a:endParaRPr lang="en-US"/>
           </a:p>
@@ -2849,7 +2849,7 @@
           <a:p>
             <a:fld id="{FC651705-9AC5-4ACC-85F5-3EE35D2A53A1}" type="datetimeFigureOut">
               <a:rPr lang="en-US" smtClean="0"/>
-              <a:t>1/7/2018</a:t>
+              <a:t>07-Jan-18</a:t>
             </a:fld>
             <a:endParaRPr lang="en-US"/>
           </a:p>
@@ -2990,7 +2990,7 @@
           <a:p>
             <a:fld id="{FC651705-9AC5-4ACC-85F5-3EE35D2A53A1}" type="datetimeFigureOut">
               <a:rPr lang="en-US" smtClean="0"/>
-              <a:t>1/7/2018</a:t>
+              <a:t>07-Jan-18</a:t>
             </a:fld>
             <a:endParaRPr lang="en-US"/>
           </a:p>
@@ -3103,7 +3103,7 @@
           <a:p>
             <a:fld id="{FC651705-9AC5-4ACC-85F5-3EE35D2A53A1}" type="datetimeFigureOut">
               <a:rPr lang="en-US" smtClean="0"/>
-              <a:t>1/7/2018</a:t>
+              <a:t>07-Jan-18</a:t>
             </a:fld>
             <a:endParaRPr lang="en-US"/>
           </a:p>
@@ -3414,7 +3414,7 @@
           <a:p>
             <a:fld id="{FC651705-9AC5-4ACC-85F5-3EE35D2A53A1}" type="datetimeFigureOut">
               <a:rPr lang="en-US" smtClean="0"/>
-              <a:t>1/7/2018</a:t>
+              <a:t>07-Jan-18</a:t>
             </a:fld>
             <a:endParaRPr lang="en-US"/>
           </a:p>
@@ -3702,7 +3702,7 @@
           <a:p>
             <a:fld id="{FC651705-9AC5-4ACC-85F5-3EE35D2A53A1}" type="datetimeFigureOut">
               <a:rPr lang="en-US" smtClean="0"/>
-              <a:t>1/7/2018</a:t>
+              <a:t>07-Jan-18</a:t>
             </a:fld>
             <a:endParaRPr lang="en-US"/>
           </a:p>
@@ -3943,7 +3943,7 @@
           <a:p>
             <a:fld id="{FC651705-9AC5-4ACC-85F5-3EE35D2A53A1}" type="datetimeFigureOut">
               <a:rPr lang="en-US" smtClean="0"/>
-              <a:t>1/7/2018</a:t>
+              <a:t>07-Jan-18</a:t>
             </a:fld>
             <a:endParaRPr lang="en-US"/>
           </a:p>
@@ -4528,7 +4528,7 @@
           </a:ln>
           <a:extLst>
             <a:ext uri="{C572A759-6A51-4108-AA02-DFA0A04FC94B}">
-              <ma14:wrappingTextBoxFlag xmlns="" xmlns:ma14="http://schemas.microsoft.com/office/mac/drawingml/2011/main" val="1"/>
+              <ma14:wrappingTextBoxFlag xmlns:ma14="http://schemas.microsoft.com/office/mac/drawingml/2011/main" xmlns="" val="1"/>
             </a:ext>
           </a:extLst>
         </p:spPr>
@@ -10009,7 +10009,7 @@
           </a:ln>
           <a:extLst>
             <a:ext uri="{C572A759-6A51-4108-AA02-DFA0A04FC94B}">
-              <ma14:wrappingTextBoxFlag xmlns="" xmlns:ma14="http://schemas.microsoft.com/office/mac/drawingml/2011/main" val="1"/>
+              <ma14:wrappingTextBoxFlag xmlns:ma14="http://schemas.microsoft.com/office/mac/drawingml/2011/main" xmlns="" val="1"/>
             </a:ext>
           </a:extLst>
         </p:spPr>
@@ -10077,7 +10077,7 @@
           </a:ln>
           <a:extLst>
             <a:ext uri="{C572A759-6A51-4108-AA02-DFA0A04FC94B}">
-              <ma14:wrappingTextBoxFlag xmlns="" xmlns:ma14="http://schemas.microsoft.com/office/mac/drawingml/2011/main" val="1"/>
+              <ma14:wrappingTextBoxFlag xmlns:ma14="http://schemas.microsoft.com/office/mac/drawingml/2011/main" xmlns="" val="1"/>
             </a:ext>
           </a:extLst>
         </p:spPr>
@@ -10177,7 +10177,7 @@
           </a:ln>
           <a:extLst>
             <a:ext uri="{C572A759-6A51-4108-AA02-DFA0A04FC94B}">
-              <ma14:wrappingTextBoxFlag xmlns="" xmlns:ma14="http://schemas.microsoft.com/office/mac/drawingml/2011/main" val="1"/>
+              <ma14:wrappingTextBoxFlag xmlns:ma14="http://schemas.microsoft.com/office/mac/drawingml/2011/main" xmlns="" val="1"/>
             </a:ext>
           </a:extLst>
         </p:spPr>
@@ -10238,7 +10238,7 @@
           </a:ln>
           <a:extLst>
             <a:ext uri="{C572A759-6A51-4108-AA02-DFA0A04FC94B}">
-              <ma14:wrappingTextBoxFlag xmlns="" xmlns:ma14="http://schemas.microsoft.com/office/mac/drawingml/2011/main" val="1"/>
+              <ma14:wrappingTextBoxFlag xmlns:ma14="http://schemas.microsoft.com/office/mac/drawingml/2011/main" xmlns="" val="1"/>
             </a:ext>
           </a:extLst>
         </p:spPr>
@@ -10290,7 +10290,7 @@
           </a:ln>
           <a:extLst>
             <a:ext uri="{C572A759-6A51-4108-AA02-DFA0A04FC94B}">
-              <ma14:wrappingTextBoxFlag xmlns="" xmlns:ma14="http://schemas.microsoft.com/office/mac/drawingml/2011/main" val="1"/>
+              <ma14:wrappingTextBoxFlag xmlns:ma14="http://schemas.microsoft.com/office/mac/drawingml/2011/main" xmlns="" val="1"/>
             </a:ext>
           </a:extLst>
         </p:spPr>
@@ -10336,7 +10336,7 @@
           </a:ln>
           <a:extLst>
             <a:ext uri="{C572A759-6A51-4108-AA02-DFA0A04FC94B}">
-              <ma14:wrappingTextBoxFlag xmlns="" xmlns:ma14="http://schemas.microsoft.com/office/mac/drawingml/2011/main" val="1"/>
+              <ma14:wrappingTextBoxFlag xmlns:ma14="http://schemas.microsoft.com/office/mac/drawingml/2011/main" xmlns="" val="1"/>
             </a:ext>
           </a:extLst>
         </p:spPr>
@@ -10376,7 +10376,7 @@
           </a:ln>
           <a:extLst>
             <a:ext uri="{C572A759-6A51-4108-AA02-DFA0A04FC94B}">
-              <ma14:wrappingTextBoxFlag xmlns="" xmlns:ma14="http://schemas.microsoft.com/office/mac/drawingml/2011/main" val="1"/>
+              <ma14:wrappingTextBoxFlag xmlns:ma14="http://schemas.microsoft.com/office/mac/drawingml/2011/main" xmlns="" val="1"/>
             </a:ext>
           </a:extLst>
         </p:spPr>
@@ -10499,7 +10499,7 @@
             </a:ln>
             <a:extLst>
               <a:ext uri="{C572A759-6A51-4108-AA02-DFA0A04FC94B}">
-                <ma14:wrappingTextBoxFlag xmlns="" xmlns:ma14="http://schemas.microsoft.com/office/mac/drawingml/2011/main" val="1"/>
+                <ma14:wrappingTextBoxFlag xmlns:ma14="http://schemas.microsoft.com/office/mac/drawingml/2011/main" xmlns="" val="1"/>
               </a:ext>
             </a:extLst>
           </p:spPr>
@@ -10535,7 +10535,7 @@
             </a:ln>
             <a:extLst>
               <a:ext uri="{C572A759-6A51-4108-AA02-DFA0A04FC94B}">
-                <ma14:wrappingTextBoxFlag xmlns="" xmlns:ma14="http://schemas.microsoft.com/office/mac/drawingml/2011/main" val="1"/>
+                <ma14:wrappingTextBoxFlag xmlns:ma14="http://schemas.microsoft.com/office/mac/drawingml/2011/main" xmlns="" val="1"/>
               </a:ext>
             </a:extLst>
           </p:spPr>
@@ -10643,7 +10643,7 @@
           </a:ln>
           <a:extLst>
             <a:ext uri="{C572A759-6A51-4108-AA02-DFA0A04FC94B}">
-              <ma14:wrappingTextBoxFlag xmlns="" xmlns:ma14="http://schemas.microsoft.com/office/mac/drawingml/2011/main" val="1"/>
+              <ma14:wrappingTextBoxFlag xmlns:ma14="http://schemas.microsoft.com/office/mac/drawingml/2011/main" xmlns="" val="1"/>
             </a:ext>
           </a:extLst>
         </p:spPr>
@@ -10880,7 +10880,7 @@
           </a:ln>
           <a:extLst>
             <a:ext uri="{C572A759-6A51-4108-AA02-DFA0A04FC94B}">
-              <ma14:wrappingTextBoxFlag xmlns="" xmlns:ma14="http://schemas.microsoft.com/office/mac/drawingml/2011/main" val="1"/>
+              <ma14:wrappingTextBoxFlag xmlns:ma14="http://schemas.microsoft.com/office/mac/drawingml/2011/main" xmlns="" val="1"/>
             </a:ext>
           </a:extLst>
         </p:spPr>
